--- a/powerpoint/day1_BWA_UNIX_SM2.pptx
+++ b/powerpoint/day1_BWA_UNIX_SM2.pptx
@@ -49948,35 +49948,6 @@
           <a:chExt cx="0" cy="0"/>
         </a:xfrm>
       </p:grpSpPr>
-      <p:pic>
-        <p:nvPicPr>
-          <p:cNvPr id="8" name="Picture 7" descr="Screen of a cell phone&#10;&#10;Description automatically generated">
-            <a:extLst>
-              <a:ext uri="{FF2B5EF4-FFF2-40B4-BE49-F238E27FC236}">
-                <a16:creationId xmlns:a16="http://schemas.microsoft.com/office/drawing/2014/main" id="{AAE8B00F-1FBA-3646-B616-476C293A3E87}"/>
-              </a:ext>
-            </a:extLst>
-          </p:cNvPr>
-          <p:cNvPicPr>
-            <a:picLocks noChangeAspect="1"/>
-          </p:cNvPicPr>
-          <p:nvPr/>
-        </p:nvPicPr>
-        <p:blipFill rotWithShape="1">
-          <a:blip r:embed="rId2"/>
-          <a:srcRect t="19444"/>
-          <a:stretch/>
-        </p:blipFill>
-        <p:spPr>
-          <a:xfrm>
-            <a:off x="329634" y="1750240"/>
-            <a:ext cx="8357166" cy="1377929"/>
-          </a:xfrm>
-          <a:prstGeom prst="rect">
-            <a:avLst/>
-          </a:prstGeom>
-        </p:spPr>
-      </p:pic>
       <p:sp>
         <p:nvSpPr>
           <p:cNvPr id="2" name="Title 1">
@@ -50059,54 +50030,8 @@
         </p:nvCxnSpPr>
         <p:spPr>
           <a:xfrm flipV="1">
-            <a:off x="2819456" y="2152650"/>
+            <a:off x="1037953" y="2661368"/>
             <a:ext cx="0" cy="2692494"/>
-          </a:xfrm>
-          <a:prstGeom prst="straightConnector1">
-            <a:avLst/>
-          </a:prstGeom>
-          <a:ln w="69850">
-            <a:solidFill>
-              <a:schemeClr val="accent2">
-                <a:lumMod val="75000"/>
-              </a:schemeClr>
-            </a:solidFill>
-            <a:tailEnd type="triangle"/>
-          </a:ln>
-        </p:spPr>
-        <p:style>
-          <a:lnRef idx="1">
-            <a:schemeClr val="accent1"/>
-          </a:lnRef>
-          <a:fillRef idx="0">
-            <a:schemeClr val="accent1"/>
-          </a:fillRef>
-          <a:effectRef idx="0">
-            <a:schemeClr val="accent1"/>
-          </a:effectRef>
-          <a:fontRef idx="minor">
-            <a:schemeClr val="tx1"/>
-          </a:fontRef>
-        </p:style>
-      </p:cxnSp>
-      <p:cxnSp>
-        <p:nvCxnSpPr>
-          <p:cNvPr id="10" name="Straight Arrow Connector 9">
-            <a:extLst>
-              <a:ext uri="{FF2B5EF4-FFF2-40B4-BE49-F238E27FC236}">
-                <a16:creationId xmlns:a16="http://schemas.microsoft.com/office/drawing/2014/main" id="{90E4B91A-2280-F041-AEAC-BA2FF7C4BC3A}"/>
-              </a:ext>
-            </a:extLst>
-          </p:cNvPr>
-          <p:cNvCxnSpPr>
-            <a:cxnSpLocks/>
-          </p:cNvCxnSpPr>
-          <p:nvPr/>
-        </p:nvCxnSpPr>
-        <p:spPr>
-          <a:xfrm flipV="1">
-            <a:off x="6245829" y="3020650"/>
-            <a:ext cx="0" cy="1377929"/>
           </a:xfrm>
           <a:prstGeom prst="straightConnector1">
             <a:avLst/>
@@ -50151,8 +50076,8 @@
         </p:nvCxnSpPr>
         <p:spPr>
           <a:xfrm flipV="1">
-            <a:off x="4231037" y="2152650"/>
-            <a:ext cx="950563" cy="3058174"/>
+            <a:off x="7948393" y="2727434"/>
+            <a:ext cx="0" cy="3043148"/>
           </a:xfrm>
           <a:prstGeom prst="straightConnector1">
             <a:avLst/>
@@ -50195,8 +50120,8 @@
         </p:nvSpPr>
         <p:spPr>
           <a:xfrm>
-            <a:off x="1667538" y="4841492"/>
-            <a:ext cx="2303837" cy="646331"/>
+            <a:off x="43688" y="5401250"/>
+            <a:ext cx="2303836" cy="369332"/>
           </a:xfrm>
           <a:prstGeom prst="rect">
             <a:avLst/>
@@ -50216,51 +50141,6 @@
                 <a:cs typeface="Calibri" panose="020F0502020204030204" pitchFamily="34" charset="0"/>
               </a:rPr>
               <a:t>HIV reference genome</a:t>
-            </a:r>
-          </a:p>
-          <a:p>
-            <a:pPr algn="ctr"/>
-            <a:endParaRPr lang="en-US" sz="1800" dirty="0">
-              <a:latin typeface="Calibri" panose="020F0502020204030204" pitchFamily="34" charset="0"/>
-              <a:cs typeface="Calibri" panose="020F0502020204030204" pitchFamily="34" charset="0"/>
-            </a:endParaRPr>
-          </a:p>
-        </p:txBody>
-      </p:sp>
-      <p:sp>
-        <p:nvSpPr>
-          <p:cNvPr id="18" name="TextBox 17">
-            <a:extLst>
-              <a:ext uri="{FF2B5EF4-FFF2-40B4-BE49-F238E27FC236}">
-                <a16:creationId xmlns:a16="http://schemas.microsoft.com/office/drawing/2014/main" id="{70399E6A-29C8-2F48-9176-C86DA459971C}"/>
-              </a:ext>
-            </a:extLst>
-          </p:cNvPr>
-          <p:cNvSpPr txBox="1"/>
-          <p:nvPr/>
-        </p:nvSpPr>
-        <p:spPr>
-          <a:xfrm>
-            <a:off x="4799127" y="4418395"/>
-            <a:ext cx="3496470" cy="369332"/>
-          </a:xfrm>
-          <a:prstGeom prst="rect">
-            <a:avLst/>
-          </a:prstGeom>
-          <a:noFill/>
-        </p:spPr>
-        <p:txBody>
-          <a:bodyPr wrap="none" rtlCol="0">
-            <a:spAutoFit/>
-          </a:bodyPr>
-          <a:lstStyle/>
-          <a:p>
-            <a:r>
-              <a:rPr lang="en-US" sz="1800" dirty="0">
-                <a:latin typeface="Calibri" panose="020F0502020204030204" pitchFamily="34" charset="0"/>
-                <a:cs typeface="Calibri" panose="020F0502020204030204" pitchFamily="34" charset="0"/>
-              </a:rPr>
-              <a:t>Tool for viewing Sam and Bam Files</a:t>
             </a:r>
           </a:p>
         </p:txBody>
@@ -50279,7 +50159,7 @@
         </p:nvSpPr>
         <p:spPr>
           <a:xfrm>
-            <a:off x="164092" y="4588371"/>
+            <a:off x="3192926" y="4007615"/>
             <a:ext cx="1074333" cy="369332"/>
           </a:xfrm>
           <a:prstGeom prst="rect">
@@ -50319,7 +50199,7 @@
         </p:nvCxnSpPr>
         <p:spPr>
           <a:xfrm flipV="1">
-            <a:off x="659581" y="3194354"/>
+            <a:off x="3859981" y="2592794"/>
             <a:ext cx="0" cy="1377929"/>
           </a:xfrm>
           <a:prstGeom prst="straightConnector1">
@@ -50363,8 +50243,8 @@
         </p:nvSpPr>
         <p:spPr>
           <a:xfrm>
-            <a:off x="3004579" y="5401250"/>
-            <a:ext cx="2452916" cy="369332"/>
+            <a:off x="6536369" y="5898959"/>
+            <a:ext cx="2486579" cy="369332"/>
           </a:xfrm>
           <a:prstGeom prst="rect">
             <a:avLst/>
@@ -50387,6 +50267,216 @@
           </a:p>
         </p:txBody>
       </p:sp>
+      <p:pic>
+        <p:nvPicPr>
+          <p:cNvPr id="6" name="Picture 5">
+            <a:extLst>
+              <a:ext uri="{FF2B5EF4-FFF2-40B4-BE49-F238E27FC236}">
+                <a16:creationId xmlns:a16="http://schemas.microsoft.com/office/drawing/2014/main" id="{398B4D25-850A-E04B-9DB0-7ADF4B24A8AC}"/>
+              </a:ext>
+            </a:extLst>
+          </p:cNvPr>
+          <p:cNvPicPr>
+            <a:picLocks noChangeAspect="1"/>
+          </p:cNvPicPr>
+          <p:nvPr/>
+        </p:nvPicPr>
+        <p:blipFill>
+          <a:blip r:embed="rId2"/>
+          <a:stretch>
+            <a:fillRect/>
+          </a:stretch>
+        </p:blipFill>
+        <p:spPr>
+          <a:xfrm>
+            <a:off x="1" y="1946463"/>
+            <a:ext cx="9033640" cy="646331"/>
+          </a:xfrm>
+          <a:prstGeom prst="rect">
+            <a:avLst/>
+          </a:prstGeom>
+        </p:spPr>
+      </p:pic>
+      <p:cxnSp>
+        <p:nvCxnSpPr>
+          <p:cNvPr id="17" name="Straight Arrow Connector 16">
+            <a:extLst>
+              <a:ext uri="{FF2B5EF4-FFF2-40B4-BE49-F238E27FC236}">
+                <a16:creationId xmlns:a16="http://schemas.microsoft.com/office/drawing/2014/main" id="{984769BE-03BB-D342-8BF7-9C85BA88AE45}"/>
+              </a:ext>
+            </a:extLst>
+          </p:cNvPr>
+          <p:cNvCxnSpPr>
+            <a:cxnSpLocks/>
+          </p:cNvCxnSpPr>
+          <p:nvPr/>
+        </p:nvCxnSpPr>
+        <p:spPr>
+          <a:xfrm flipV="1">
+            <a:off x="6161635" y="2542768"/>
+            <a:ext cx="0" cy="1649513"/>
+          </a:xfrm>
+          <a:prstGeom prst="straightConnector1">
+            <a:avLst/>
+          </a:prstGeom>
+          <a:ln w="69850">
+            <a:solidFill>
+              <a:schemeClr val="accent2">
+                <a:lumMod val="75000"/>
+              </a:schemeClr>
+            </a:solidFill>
+            <a:tailEnd type="triangle"/>
+          </a:ln>
+        </p:spPr>
+        <p:style>
+          <a:lnRef idx="1">
+            <a:schemeClr val="accent1"/>
+          </a:lnRef>
+          <a:fillRef idx="0">
+            <a:schemeClr val="accent1"/>
+          </a:fillRef>
+          <a:effectRef idx="0">
+            <a:schemeClr val="accent1"/>
+          </a:effectRef>
+          <a:fontRef idx="minor">
+            <a:schemeClr val="tx1"/>
+          </a:fontRef>
+        </p:style>
+      </p:cxnSp>
+      <p:sp>
+        <p:nvSpPr>
+          <p:cNvPr id="13" name="TextBox 12">
+            <a:extLst>
+              <a:ext uri="{FF2B5EF4-FFF2-40B4-BE49-F238E27FC236}">
+                <a16:creationId xmlns:a16="http://schemas.microsoft.com/office/drawing/2014/main" id="{49346452-865C-5345-818E-4414AD57A362}"/>
+              </a:ext>
+            </a:extLst>
+          </p:cNvPr>
+          <p:cNvSpPr txBox="1"/>
+          <p:nvPr/>
+        </p:nvSpPr>
+        <p:spPr>
+          <a:xfrm>
+            <a:off x="5437719" y="4243575"/>
+            <a:ext cx="1713931" cy="369332"/>
+          </a:xfrm>
+          <a:prstGeom prst="rect">
+            <a:avLst/>
+          </a:prstGeom>
+          <a:noFill/>
+        </p:spPr>
+        <p:txBody>
+          <a:bodyPr wrap="none" rtlCol="0">
+            <a:spAutoFit/>
+          </a:bodyPr>
+          <a:lstStyle/>
+          <a:p>
+            <a:r>
+              <a:rPr lang="en-US" sz="1800" dirty="0">
+                <a:latin typeface="Calibri" panose="020F0502020204030204" pitchFamily="34" charset="0"/>
+                <a:cs typeface="Calibri" panose="020F0502020204030204" pitchFamily="34" charset="0"/>
+              </a:rPr>
+              <a:t>This </a:t>
+            </a:r>
+            <a:r>
+              <a:rPr lang="en-US" sz="1800" dirty="0" err="1">
+                <a:latin typeface="Calibri" panose="020F0502020204030204" pitchFamily="34" charset="0"/>
+                <a:cs typeface="Calibri" panose="020F0502020204030204" pitchFamily="34" charset="0"/>
+              </a:rPr>
+              <a:t>powerpoint</a:t>
+            </a:r>
+            <a:endParaRPr lang="en-US" sz="1800" dirty="0">
+              <a:latin typeface="Calibri" panose="020F0502020204030204" pitchFamily="34" charset="0"/>
+              <a:cs typeface="Calibri" panose="020F0502020204030204" pitchFamily="34" charset="0"/>
+            </a:endParaRPr>
+          </a:p>
+        </p:txBody>
+      </p:sp>
+      <p:sp>
+        <p:nvSpPr>
+          <p:cNvPr id="15" name="TextBox 14">
+            <a:extLst>
+              <a:ext uri="{FF2B5EF4-FFF2-40B4-BE49-F238E27FC236}">
+                <a16:creationId xmlns:a16="http://schemas.microsoft.com/office/drawing/2014/main" id="{080CD2B4-EEE7-AE4E-A075-F0FD6529B9C5}"/>
+              </a:ext>
+            </a:extLst>
+          </p:cNvPr>
+          <p:cNvSpPr txBox="1"/>
+          <p:nvPr/>
+        </p:nvSpPr>
+        <p:spPr>
+          <a:xfrm>
+            <a:off x="1638386" y="3281758"/>
+            <a:ext cx="1293944" cy="369332"/>
+          </a:xfrm>
+          <a:prstGeom prst="rect">
+            <a:avLst/>
+          </a:prstGeom>
+          <a:noFill/>
+        </p:spPr>
+        <p:txBody>
+          <a:bodyPr wrap="none" rtlCol="0">
+            <a:spAutoFit/>
+          </a:bodyPr>
+          <a:lstStyle/>
+          <a:p>
+            <a:r>
+              <a:rPr lang="en-US" sz="1800" dirty="0">
+                <a:latin typeface="Calibri" panose="020F0502020204030204" pitchFamily="34" charset="0"/>
+                <a:cs typeface="Calibri" panose="020F0502020204030204" pitchFamily="34" charset="0"/>
+              </a:rPr>
+              <a:t>Instructions</a:t>
+            </a:r>
+          </a:p>
+        </p:txBody>
+      </p:sp>
+      <p:cxnSp>
+        <p:nvCxnSpPr>
+          <p:cNvPr id="23" name="Straight Arrow Connector 22">
+            <a:extLst>
+              <a:ext uri="{FF2B5EF4-FFF2-40B4-BE49-F238E27FC236}">
+                <a16:creationId xmlns:a16="http://schemas.microsoft.com/office/drawing/2014/main" id="{D4127138-FFCB-7C4D-8F31-7F6261C3F2AF}"/>
+              </a:ext>
+            </a:extLst>
+          </p:cNvPr>
+          <p:cNvCxnSpPr>
+            <a:cxnSpLocks/>
+            <a:stCxn id="15" idx="0"/>
+          </p:cNvCxnSpPr>
+          <p:nvPr/>
+        </p:nvCxnSpPr>
+        <p:spPr>
+          <a:xfrm flipV="1">
+            <a:off x="2285358" y="2542770"/>
+            <a:ext cx="0" cy="738988"/>
+          </a:xfrm>
+          <a:prstGeom prst="straightConnector1">
+            <a:avLst/>
+          </a:prstGeom>
+          <a:ln w="69850">
+            <a:solidFill>
+              <a:schemeClr val="accent2">
+                <a:lumMod val="75000"/>
+              </a:schemeClr>
+            </a:solidFill>
+            <a:tailEnd type="triangle"/>
+          </a:ln>
+        </p:spPr>
+        <p:style>
+          <a:lnRef idx="1">
+            <a:schemeClr val="accent1"/>
+          </a:lnRef>
+          <a:fillRef idx="0">
+            <a:schemeClr val="accent1"/>
+          </a:fillRef>
+          <a:effectRef idx="0">
+            <a:schemeClr val="accent1"/>
+          </a:effectRef>
+          <a:fontRef idx="minor">
+            <a:schemeClr val="tx1"/>
+          </a:fontRef>
+        </p:style>
+      </p:cxnSp>
     </p:spTree>
     <p:extLst>
       <p:ext uri="{BB962C8B-B14F-4D97-AF65-F5344CB8AC3E}">

--- a/powerpoint/day1_BWA_UNIX_SM2.pptx
+++ b/powerpoint/day1_BWA_UNIX_SM2.pptx
@@ -52175,7 +52175,7 @@
                 <a:latin typeface="Courier New" panose="02070309020205020404" pitchFamily="49" charset="0"/>
                 <a:cs typeface="Courier New" panose="02070309020205020404" pitchFamily="49" charset="0"/>
               </a:rPr>
-              <a:t>alignments.sam</a:t>
+              <a:t>reads.sam</a:t>
             </a:r>
             <a:endParaRPr lang="en-US" sz="1400" b="1" dirty="0">
               <a:solidFill>
